--- a/GithubBlogAndLatex.pptx
+++ b/GithubBlogAndLatex.pptx
@@ -18850,7 +18850,7 @@
         </p:spPr>
         <p:txBody>
           <a:bodyPr wrap="square" rtlCol="0" anchor="t">
-            <a:normAutofit fontScale="92500" lnSpcReduction="20000"/>
+            <a:normAutofit lnSpcReduction="10000"/>
           </a:bodyPr>
           <a:lstStyle/>
           <a:p>
@@ -18952,7 +18952,13 @@
               <a:rPr lang="en-US" altLang="ko-KR" sz="2800" dirty="0">
                 <a:hlinkClick r:id="rId2"/>
               </a:rPr>
-              <a:t>https://github.com/EeeUnS/TEX/tree/master/TEX%ED%95%99%ED%9A%8C</a:t>
+              <a:t>https://</a:t>
+            </a:r>
+            <a:r>
+              <a:rPr lang="en-US" altLang="ko-KR" sz="2800" dirty="0" smtClean="0">
+                <a:hlinkClick r:id="rId2"/>
+              </a:rPr>
+              <a:t>github.com/EeeUnS/TEX</a:t>
             </a:r>
             <a:endParaRPr lang="ko-KR" altLang="en-US" sz="2500" dirty="0" smtClean="0"/>
           </a:p>
